--- a/Квантовые компьютеры.pptx
+++ b/Квантовые компьютеры.pptx
@@ -7,15 +7,17 @@
   <p:sldIdLst>
     <p:sldId id="256" r:id="rId2"/>
     <p:sldId id="257" r:id="rId3"/>
-    <p:sldId id="258" r:id="rId4"/>
-    <p:sldId id="259" r:id="rId5"/>
-    <p:sldId id="260" r:id="rId6"/>
-    <p:sldId id="261" r:id="rId7"/>
-    <p:sldId id="262" r:id="rId8"/>
-    <p:sldId id="263" r:id="rId9"/>
-    <p:sldId id="264" r:id="rId10"/>
-    <p:sldId id="265" r:id="rId11"/>
-    <p:sldId id="266" r:id="rId12"/>
+    <p:sldId id="267" r:id="rId4"/>
+    <p:sldId id="258" r:id="rId5"/>
+    <p:sldId id="259" r:id="rId6"/>
+    <p:sldId id="260" r:id="rId7"/>
+    <p:sldId id="261" r:id="rId8"/>
+    <p:sldId id="262" r:id="rId9"/>
+    <p:sldId id="263" r:id="rId10"/>
+    <p:sldId id="264" r:id="rId11"/>
+    <p:sldId id="265" r:id="rId12"/>
+    <p:sldId id="266" r:id="rId13"/>
+    <p:sldId id="268" r:id="rId14"/>
   </p:sldIdLst>
   <p:sldSz cx="9144000" cy="6858000" type="screen4x3"/>
   <p:notesSz cx="6858000" cy="9144000"/>
@@ -121,6 +123,7 @@
           <p14:sldIdLst>
             <p14:sldId id="256"/>
             <p14:sldId id="257"/>
+            <p14:sldId id="267"/>
             <p14:sldId id="258"/>
             <p14:sldId id="259"/>
             <p14:sldId id="260"/>
@@ -130,6 +133,7 @@
             <p14:sldId id="264"/>
             <p14:sldId id="265"/>
             <p14:sldId id="266"/>
+            <p14:sldId id="268"/>
           </p14:sldIdLst>
         </p14:section>
         <p14:section name="Раздел без заголовка" id="{C1749C4C-BD79-458C-B831-82DB7D793283}">
@@ -322,7 +326,7 @@
           <a:p>
             <a:fld id="{7A49D785-1C73-4854-8FBD-1CDD61F45704}" type="datetimeFigureOut">
               <a:rPr lang="ru-RU" smtClean="0"/>
-              <a:t>23.12.2018</a:t>
+              <a:t>27.12.2018</a:t>
             </a:fld>
             <a:endParaRPr lang="ru-RU"/>
           </a:p>
@@ -492,7 +496,7 @@
           <a:p>
             <a:fld id="{7A49D785-1C73-4854-8FBD-1CDD61F45704}" type="datetimeFigureOut">
               <a:rPr lang="ru-RU" smtClean="0"/>
-              <a:t>23.12.2018</a:t>
+              <a:t>27.12.2018</a:t>
             </a:fld>
             <a:endParaRPr lang="ru-RU"/>
           </a:p>
@@ -672,7 +676,7 @@
           <a:p>
             <a:fld id="{7A49D785-1C73-4854-8FBD-1CDD61F45704}" type="datetimeFigureOut">
               <a:rPr lang="ru-RU" smtClean="0"/>
-              <a:t>23.12.2018</a:t>
+              <a:t>27.12.2018</a:t>
             </a:fld>
             <a:endParaRPr lang="ru-RU"/>
           </a:p>
@@ -842,7 +846,7 @@
           <a:p>
             <a:fld id="{7A49D785-1C73-4854-8FBD-1CDD61F45704}" type="datetimeFigureOut">
               <a:rPr lang="ru-RU" smtClean="0"/>
-              <a:t>23.12.2018</a:t>
+              <a:t>27.12.2018</a:t>
             </a:fld>
             <a:endParaRPr lang="ru-RU"/>
           </a:p>
@@ -1088,7 +1092,7 @@
           <a:p>
             <a:fld id="{7A49D785-1C73-4854-8FBD-1CDD61F45704}" type="datetimeFigureOut">
               <a:rPr lang="ru-RU" smtClean="0"/>
-              <a:t>23.12.2018</a:t>
+              <a:t>27.12.2018</a:t>
             </a:fld>
             <a:endParaRPr lang="ru-RU"/>
           </a:p>
@@ -1376,7 +1380,7 @@
           <a:p>
             <a:fld id="{7A49D785-1C73-4854-8FBD-1CDD61F45704}" type="datetimeFigureOut">
               <a:rPr lang="ru-RU" smtClean="0"/>
-              <a:t>23.12.2018</a:t>
+              <a:t>27.12.2018</a:t>
             </a:fld>
             <a:endParaRPr lang="ru-RU"/>
           </a:p>
@@ -1798,7 +1802,7 @@
           <a:p>
             <a:fld id="{7A49D785-1C73-4854-8FBD-1CDD61F45704}" type="datetimeFigureOut">
               <a:rPr lang="ru-RU" smtClean="0"/>
-              <a:t>23.12.2018</a:t>
+              <a:t>27.12.2018</a:t>
             </a:fld>
             <a:endParaRPr lang="ru-RU"/>
           </a:p>
@@ -1916,7 +1920,7 @@
           <a:p>
             <a:fld id="{7A49D785-1C73-4854-8FBD-1CDD61F45704}" type="datetimeFigureOut">
               <a:rPr lang="ru-RU" smtClean="0"/>
-              <a:t>23.12.2018</a:t>
+              <a:t>27.12.2018</a:t>
             </a:fld>
             <a:endParaRPr lang="ru-RU"/>
           </a:p>
@@ -2011,7 +2015,7 @@
           <a:p>
             <a:fld id="{7A49D785-1C73-4854-8FBD-1CDD61F45704}" type="datetimeFigureOut">
               <a:rPr lang="ru-RU" smtClean="0"/>
-              <a:t>23.12.2018</a:t>
+              <a:t>27.12.2018</a:t>
             </a:fld>
             <a:endParaRPr lang="ru-RU"/>
           </a:p>
@@ -2288,7 +2292,7 @@
           <a:p>
             <a:fld id="{7A49D785-1C73-4854-8FBD-1CDD61F45704}" type="datetimeFigureOut">
               <a:rPr lang="ru-RU" smtClean="0"/>
-              <a:t>23.12.2018</a:t>
+              <a:t>27.12.2018</a:t>
             </a:fld>
             <a:endParaRPr lang="ru-RU"/>
           </a:p>
@@ -2541,7 +2545,7 @@
           <a:p>
             <a:fld id="{7A49D785-1C73-4854-8FBD-1CDD61F45704}" type="datetimeFigureOut">
               <a:rPr lang="ru-RU" smtClean="0"/>
-              <a:t>23.12.2018</a:t>
+              <a:t>27.12.2018</a:t>
             </a:fld>
             <a:endParaRPr lang="ru-RU"/>
           </a:p>
@@ -2754,7 +2758,7 @@
           <a:p>
             <a:fld id="{7A49D785-1C73-4854-8FBD-1CDD61F45704}" type="datetimeFigureOut">
               <a:rPr lang="ru-RU" smtClean="0"/>
-              <a:t>23.12.2018</a:t>
+              <a:t>27.12.2018</a:t>
             </a:fld>
             <a:endParaRPr lang="ru-RU"/>
           </a:p>
@@ -3298,6 +3302,165 @@
       </p:sp>
       <p:pic>
         <p:nvPicPr>
+          <p:cNvPr id="5122" name="Picture 2" descr="ÐÐ°ÑÑÐ¸Ð½ÐºÐ¸ Ð¿Ð¾ Ð·Ð°Ð¿ÑÐ¾ÑÑ intel tangle lake"/>
+          <p:cNvPicPr>
+            <a:picLocks noChangeAspect="1" noChangeArrowheads="1"/>
+          </p:cNvPicPr>
+          <p:nvPr/>
+        </p:nvPicPr>
+        <p:blipFill>
+          <a:blip r:embed="rId2">
+            <a:extLst>
+              <a:ext uri="{28A0092B-C50C-407E-A947-70E740481C1C}">
+                <a14:useLocalDpi xmlns:a14="http://schemas.microsoft.com/office/drawing/2010/main" val="0"/>
+              </a:ext>
+            </a:extLst>
+          </a:blip>
+          <a:srcRect/>
+          <a:stretch>
+            <a:fillRect/>
+          </a:stretch>
+        </p:blipFill>
+        <p:spPr bwMode="auto">
+          <a:xfrm>
+            <a:off x="1403648" y="1448790"/>
+            <a:ext cx="6336704" cy="4752528"/>
+          </a:xfrm>
+          <a:prstGeom prst="rect">
+            <a:avLst/>
+          </a:prstGeom>
+          <a:noFill/>
+          <a:extLst>
+            <a:ext uri="{909E8E84-426E-40DD-AFC4-6F175D3DCCD1}">
+              <a14:hiddenFill xmlns:a14="http://schemas.microsoft.com/office/drawing/2010/main">
+                <a:solidFill>
+                  <a:srgbClr val="FFFFFF"/>
+                </a:solidFill>
+              </a14:hiddenFill>
+            </a:ext>
+          </a:extLst>
+        </p:spPr>
+      </p:pic>
+      <p:sp>
+        <p:nvSpPr>
+          <p:cNvPr id="4" name="TextBox 3"/>
+          <p:cNvSpPr txBox="1"/>
+          <p:nvPr/>
+        </p:nvSpPr>
+        <p:spPr>
+          <a:xfrm>
+            <a:off x="2987824" y="6357664"/>
+            <a:ext cx="3168352" cy="369332"/>
+          </a:xfrm>
+          <a:prstGeom prst="rect">
+            <a:avLst/>
+          </a:prstGeom>
+          <a:noFill/>
+        </p:spPr>
+        <p:txBody>
+          <a:bodyPr wrap="square" rtlCol="0">
+            <a:spAutoFit/>
+          </a:bodyPr>
+          <a:lstStyle/>
+          <a:p>
+            <a:pPr algn="ctr"/>
+            <a:r>
+              <a:rPr lang="ru-RU" dirty="0" smtClean="0"/>
+              <a:t> </a:t>
+            </a:r>
+            <a:r>
+              <a:rPr lang="en-US" dirty="0" smtClean="0"/>
+              <a:t>Intel, Tangle </a:t>
+            </a:r>
+            <a:r>
+              <a:rPr lang="en-US" dirty="0" smtClean="0"/>
+              <a:t>Lake</a:t>
+            </a:r>
+            <a:endParaRPr lang="ru-RU" dirty="0"/>
+          </a:p>
+        </p:txBody>
+      </p:sp>
+    </p:spTree>
+    <p:extLst>
+      <p:ext uri="{BB962C8B-B14F-4D97-AF65-F5344CB8AC3E}">
+        <p14:creationId xmlns:p14="http://schemas.microsoft.com/office/powerpoint/2010/main" val="1643283416"/>
+      </p:ext>
+    </p:extLst>
+  </p:cSld>
+  <p:clrMapOvr>
+    <a:masterClrMapping/>
+  </p:clrMapOvr>
+  <p:timing>
+    <p:tnLst>
+      <p:par>
+        <p:cTn id="1" dur="indefinite" restart="never" nodeType="tmRoot"/>
+      </p:par>
+    </p:tnLst>
+  </p:timing>
+</p:sld>
+</file>
+
+<file path=ppt/slides/slide11.xml><?xml version="1.0" encoding="utf-8"?>
+<p:sld xmlns:a="http://schemas.openxmlformats.org/drawingml/2006/main" xmlns:r="http://schemas.openxmlformats.org/officeDocument/2006/relationships" xmlns:p="http://schemas.openxmlformats.org/presentationml/2006/main">
+  <p:cSld>
+    <p:spTree>
+      <p:nvGrpSpPr>
+        <p:cNvPr id="1" name=""/>
+        <p:cNvGrpSpPr/>
+        <p:nvPr/>
+      </p:nvGrpSpPr>
+      <p:grpSpPr>
+        <a:xfrm>
+          <a:off x="0" y="0"/>
+          <a:ext cx="0" cy="0"/>
+          <a:chOff x="0" y="0"/>
+          <a:chExt cx="0" cy="0"/>
+        </a:xfrm>
+      </p:grpSpPr>
+      <p:sp>
+        <p:nvSpPr>
+          <p:cNvPr id="2" name="Заголовок 1"/>
+          <p:cNvSpPr>
+            <a:spLocks noGrp="1"/>
+          </p:cNvSpPr>
+          <p:nvPr>
+            <p:ph type="title"/>
+          </p:nvPr>
+        </p:nvSpPr>
+        <p:spPr/>
+        <p:txBody>
+          <a:bodyPr/>
+          <a:lstStyle/>
+          <a:p>
+            <a:r>
+              <a:rPr lang="ru-RU" dirty="0" smtClean="0"/>
+              <a:t>Реализации</a:t>
+            </a:r>
+            <a:endParaRPr lang="ru-RU" dirty="0"/>
+          </a:p>
+        </p:txBody>
+      </p:sp>
+      <p:sp>
+        <p:nvSpPr>
+          <p:cNvPr id="3" name="Объект 2"/>
+          <p:cNvSpPr>
+            <a:spLocks noGrp="1"/>
+          </p:cNvSpPr>
+          <p:nvPr>
+            <p:ph idx="1"/>
+          </p:nvPr>
+        </p:nvSpPr>
+        <p:spPr/>
+        <p:txBody>
+          <a:bodyPr/>
+          <a:lstStyle/>
+          <a:p>
+            <a:endParaRPr lang="ru-RU"/>
+          </a:p>
+        </p:txBody>
+      </p:sp>
+      <p:pic>
+        <p:nvPicPr>
           <p:cNvPr id="6146" name="Picture 2" descr="ÐÐ°ÑÑÐ¸Ð½ÐºÐ¸ Ð¿Ð¾ Ð·Ð°Ð¿ÑÐ¾ÑÑ google bristlecone quantum"/>
           <p:cNvPicPr>
             <a:picLocks noChangeAspect="1" noChangeArrowheads="1"/>
@@ -3345,7 +3508,7 @@
         </p:nvSpPr>
         <p:spPr>
           <a:xfrm>
-            <a:off x="3203848" y="6165304"/>
+            <a:off x="2978535" y="6165304"/>
             <a:ext cx="2952328" cy="369332"/>
           </a:xfrm>
           <a:prstGeom prst="rect">
@@ -3399,7 +3562,7 @@
 </p:sld>
 </file>
 
-<file path=ppt/slides/slide11.xml><?xml version="1.0" encoding="utf-8"?>
+<file path=ppt/slides/slide12.xml><?xml version="1.0" encoding="utf-8"?>
 <p:sld xmlns:a="http://schemas.openxmlformats.org/drawingml/2006/main" xmlns:r="http://schemas.openxmlformats.org/officeDocument/2006/relationships" xmlns:p="http://schemas.openxmlformats.org/presentationml/2006/main">
   <p:cSld>
     <p:spTree>
@@ -3558,6 +3721,201 @@
 </p:sld>
 </file>
 
+<file path=ppt/slides/slide13.xml><?xml version="1.0" encoding="utf-8"?>
+<p:sld xmlns:a="http://schemas.openxmlformats.org/drawingml/2006/main" xmlns:r="http://schemas.openxmlformats.org/officeDocument/2006/relationships" xmlns:p="http://schemas.openxmlformats.org/presentationml/2006/main">
+  <p:cSld>
+    <p:spTree>
+      <p:nvGrpSpPr>
+        <p:cNvPr id="1" name=""/>
+        <p:cNvGrpSpPr/>
+        <p:nvPr/>
+      </p:nvGrpSpPr>
+      <p:grpSpPr>
+        <a:xfrm>
+          <a:off x="0" y="0"/>
+          <a:ext cx="0" cy="0"/>
+          <a:chOff x="0" y="0"/>
+          <a:chExt cx="0" cy="0"/>
+        </a:xfrm>
+      </p:grpSpPr>
+      <p:sp>
+        <p:nvSpPr>
+          <p:cNvPr id="2" name="Заголовок 1"/>
+          <p:cNvSpPr>
+            <a:spLocks noGrp="1"/>
+          </p:cNvSpPr>
+          <p:nvPr>
+            <p:ph type="title"/>
+          </p:nvPr>
+        </p:nvSpPr>
+        <p:spPr/>
+        <p:txBody>
+          <a:bodyPr/>
+          <a:lstStyle/>
+          <a:p>
+            <a:r>
+              <a:rPr lang="ru-RU" dirty="0" smtClean="0"/>
+              <a:t>Заключение</a:t>
+            </a:r>
+            <a:endParaRPr lang="ru-RU" dirty="0"/>
+          </a:p>
+        </p:txBody>
+      </p:sp>
+      <p:sp>
+        <p:nvSpPr>
+          <p:cNvPr id="3" name="Объект 2"/>
+          <p:cNvSpPr>
+            <a:spLocks noGrp="1"/>
+          </p:cNvSpPr>
+          <p:nvPr>
+            <p:ph idx="1"/>
+          </p:nvPr>
+        </p:nvSpPr>
+        <p:spPr/>
+        <p:txBody>
+          <a:bodyPr>
+            <a:normAutofit fontScale="85000" lnSpcReduction="10000"/>
+          </a:bodyPr>
+          <a:lstStyle/>
+          <a:p>
+            <a:r>
+              <a:rPr lang="ru-RU" dirty="0">
+                <a:solidFill>
+                  <a:srgbClr val="00B050"/>
+                </a:solidFill>
+              </a:rPr>
+              <a:t>в</a:t>
+            </a:r>
+            <a:r>
+              <a:rPr lang="ru-RU" dirty="0" smtClean="0">
+                <a:solidFill>
+                  <a:srgbClr val="00B050"/>
+                </a:solidFill>
+              </a:rPr>
+              <a:t>ысокая скорость вычислений;</a:t>
+            </a:r>
+          </a:p>
+          <a:p>
+            <a:r>
+              <a:rPr lang="ru-RU" dirty="0">
+                <a:solidFill>
+                  <a:srgbClr val="00B050"/>
+                </a:solidFill>
+              </a:rPr>
+              <a:t>н</a:t>
+            </a:r>
+            <a:r>
+              <a:rPr lang="ru-RU" dirty="0" smtClean="0">
+                <a:solidFill>
+                  <a:srgbClr val="00B050"/>
+                </a:solidFill>
+              </a:rPr>
+              <a:t>изкое количество элементов;</a:t>
+            </a:r>
+          </a:p>
+          <a:p>
+            <a:r>
+              <a:rPr lang="ru-RU" dirty="0">
+                <a:solidFill>
+                  <a:srgbClr val="00B050"/>
+                </a:solidFill>
+              </a:rPr>
+              <a:t>п</a:t>
+            </a:r>
+            <a:r>
+              <a:rPr lang="ru-RU" dirty="0" smtClean="0">
+                <a:solidFill>
+                  <a:srgbClr val="00B050"/>
+                </a:solidFill>
+              </a:rPr>
+              <a:t>ринцип суперпозиции (высокая связь </a:t>
+            </a:r>
+            <a:r>
+              <a:rPr lang="ru-RU" dirty="0" err="1" smtClean="0">
+                <a:solidFill>
+                  <a:srgbClr val="00B050"/>
+                </a:solidFill>
+              </a:rPr>
+              <a:t>кубитов</a:t>
+            </a:r>
+            <a:r>
+              <a:rPr lang="ru-RU" dirty="0" smtClean="0">
+                <a:solidFill>
+                  <a:srgbClr val="00B050"/>
+                </a:solidFill>
+              </a:rPr>
+              <a:t>)</a:t>
+            </a:r>
+          </a:p>
+          <a:p>
+            <a:endParaRPr lang="ru-RU" dirty="0" smtClean="0"/>
+          </a:p>
+          <a:p>
+            <a:r>
+              <a:rPr lang="ru-RU" dirty="0" smtClean="0">
+                <a:solidFill>
+                  <a:srgbClr val="FF0000"/>
+                </a:solidFill>
+              </a:rPr>
+              <a:t>работают  на низких температурах;</a:t>
+            </a:r>
+          </a:p>
+          <a:p>
+            <a:r>
+              <a:rPr lang="ru-RU" dirty="0">
+                <a:solidFill>
+                  <a:srgbClr val="FF0000"/>
+                </a:solidFill>
+              </a:rPr>
+              <a:t>в</a:t>
+            </a:r>
+            <a:r>
+              <a:rPr lang="ru-RU" dirty="0" smtClean="0">
+                <a:solidFill>
+                  <a:srgbClr val="FF0000"/>
+                </a:solidFill>
+              </a:rPr>
+              <a:t>ысокая  чувствительность к внешним воздействиям (электрические, тепловые, магнитные, физические);</a:t>
+            </a:r>
+          </a:p>
+          <a:p>
+            <a:r>
+              <a:rPr lang="ru-RU" dirty="0" smtClean="0">
+                <a:solidFill>
+                  <a:srgbClr val="FF0000"/>
+                </a:solidFill>
+              </a:rPr>
+              <a:t>ограниченность в применении (моделирование);</a:t>
+            </a:r>
+          </a:p>
+          <a:p>
+            <a:endParaRPr lang="ru-RU" dirty="0" smtClean="0"/>
+          </a:p>
+          <a:p>
+            <a:endParaRPr lang="ru-RU" dirty="0"/>
+          </a:p>
+        </p:txBody>
+      </p:sp>
+    </p:spTree>
+    <p:extLst>
+      <p:ext uri="{BB962C8B-B14F-4D97-AF65-F5344CB8AC3E}">
+        <p14:creationId xmlns:p14="http://schemas.microsoft.com/office/powerpoint/2010/main" val="3685772507"/>
+      </p:ext>
+    </p:extLst>
+  </p:cSld>
+  <p:clrMapOvr>
+    <a:masterClrMapping/>
+  </p:clrMapOvr>
+  <p:timing>
+    <p:tnLst>
+      <p:par>
+        <p:cTn id="1" dur="indefinite" restart="never" nodeType="tmRoot"/>
+      </p:par>
+    </p:tnLst>
+  </p:timing>
+</p:sld>
+</file>
+
 <file path=ppt/slides/slide2.xml><?xml version="1.0" encoding="utf-8"?>
 <p:sld xmlns:a="http://schemas.openxmlformats.org/drawingml/2006/main" xmlns:r="http://schemas.openxmlformats.org/officeDocument/2006/relationships" xmlns:p="http://schemas.openxmlformats.org/presentationml/2006/main">
   <p:cSld>
@@ -3701,6 +4059,237 @@
           <a:bodyPr/>
           <a:lstStyle/>
           <a:p>
+            <a:r>
+              <a:rPr lang="ru-RU" dirty="0" smtClean="0"/>
+              <a:t>История</a:t>
+            </a:r>
+            <a:endParaRPr lang="ru-RU" dirty="0"/>
+          </a:p>
+        </p:txBody>
+      </p:sp>
+      <mc:AlternateContent xmlns:mc="http://schemas.openxmlformats.org/markup-compatibility/2006">
+        <mc:Choice xmlns:a14="http://schemas.microsoft.com/office/drawing/2010/main" Requires="a14">
+          <p:sp>
+            <p:nvSpPr>
+              <p:cNvPr id="3" name="Объект 2"/>
+              <p:cNvSpPr>
+                <a:spLocks noGrp="1"/>
+              </p:cNvSpPr>
+              <p:nvPr>
+                <p:ph idx="1"/>
+              </p:nvPr>
+            </p:nvSpPr>
+            <p:spPr>
+              <a:xfrm>
+                <a:off x="457200" y="1600201"/>
+                <a:ext cx="8229600" cy="3484983"/>
+              </a:xfrm>
+            </p:spPr>
+            <p:txBody>
+              <a:bodyPr>
+                <a:normAutofit fontScale="92500"/>
+              </a:bodyPr>
+              <a:lstStyle/>
+              <a:p>
+                <a:pPr marL="0" indent="0" algn="just">
+                  <a:buNone/>
+                </a:pPr>
+                <a:endParaRPr lang="ru-RU" dirty="0" smtClean="0"/>
+              </a:p>
+              <a:p>
+                <a:pPr marL="0" indent="0" algn="just">
+                  <a:buNone/>
+                </a:pPr>
+                <a:r>
+                  <a:rPr lang="ru-RU" b="1" i="1" dirty="0" smtClean="0">
+                    <a:solidFill>
+                      <a:srgbClr val="FF0000"/>
+                    </a:solidFill>
+                  </a:rPr>
+                  <a:t>1980г. </a:t>
+                </a:r>
+                <a:r>
+                  <a:rPr lang="ru-RU" dirty="0" smtClean="0"/>
+                  <a:t>– способность изолированной квантовой системы из </a:t>
+                </a:r>
+                <a:r>
+                  <a:rPr lang="en-US" dirty="0" smtClean="0"/>
+                  <a:t>L </a:t>
+                </a:r>
+                <a:r>
+                  <a:rPr lang="ru-RU" dirty="0" smtClean="0"/>
+                  <a:t>двухуровневых квантовых элементов находиться в суперпозиции из </a:t>
+                </a:r>
+                <a14:m>
+                  <m:oMath xmlns:m="http://schemas.openxmlformats.org/officeDocument/2006/math">
+                    <m:sSup>
+                      <m:sSupPr>
+                        <m:ctrlPr>
+                          <a:rPr lang="ru-RU" i="1" smtClean="0">
+                            <a:latin typeface="Cambria Math"/>
+                          </a:rPr>
+                        </m:ctrlPr>
+                      </m:sSupPr>
+                      <m:e>
+                        <m:r>
+                          <a:rPr lang="ru-RU" b="0" i="1" smtClean="0">
+                            <a:latin typeface="Cambria Math"/>
+                          </a:rPr>
+                          <m:t>2</m:t>
+                        </m:r>
+                      </m:e>
+                      <m:sup>
+                        <m:r>
+                          <a:rPr lang="en-US" b="0" i="1" smtClean="0">
+                            <a:latin typeface="Cambria Math"/>
+                          </a:rPr>
+                          <m:t>𝐿</m:t>
+                        </m:r>
+                      </m:sup>
+                    </m:sSup>
+                  </m:oMath>
+                </a14:m>
+                <a:r>
+                  <a:rPr lang="en-US" dirty="0" smtClean="0"/>
+                  <a:t> </a:t>
+                </a:r>
+                <a:r>
+                  <a:rPr lang="ru-RU" dirty="0" smtClean="0"/>
+                  <a:t>булевых состояний</a:t>
+                </a:r>
+              </a:p>
+              <a:p>
+                <a:pPr marL="0" indent="0" algn="just">
+                  <a:buNone/>
+                </a:pPr>
+                <a:r>
+                  <a:rPr lang="ru-RU" b="1" i="1" dirty="0" smtClean="0">
+                    <a:solidFill>
+                      <a:srgbClr val="FF0000"/>
+                    </a:solidFill>
+                  </a:rPr>
+                  <a:t>1981г</a:t>
+                </a:r>
+                <a:r>
+                  <a:rPr lang="ru-RU" b="1" i="1" dirty="0">
+                    <a:solidFill>
+                      <a:srgbClr val="FF0000"/>
+                    </a:solidFill>
+                  </a:rPr>
+                  <a:t>. </a:t>
+                </a:r>
+                <a:r>
+                  <a:rPr lang="ru-RU" dirty="0"/>
+                  <a:t>– решение квантовых задач невозможно на классическом </a:t>
+                </a:r>
+                <a:r>
+                  <a:rPr lang="ru-RU" dirty="0" err="1"/>
+                  <a:t>комьютере</a:t>
+                </a:r>
+                <a:r>
+                  <a:rPr lang="ru-RU" dirty="0"/>
+                  <a:t> (Р. Фейнман)</a:t>
+                </a:r>
+              </a:p>
+              <a:p>
+                <a:pPr marL="0" indent="0" algn="just">
+                  <a:buNone/>
+                </a:pPr>
+                <a:endParaRPr lang="ru-RU" dirty="0"/>
+              </a:p>
+            </p:txBody>
+          </p:sp>
+        </mc:Choice>
+        <mc:Fallback>
+          <p:sp>
+            <p:nvSpPr>
+              <p:cNvPr id="3" name="Объект 2"/>
+              <p:cNvSpPr>
+                <a:spLocks noGrp="1" noRot="1" noChangeAspect="1" noMove="1" noResize="1" noEditPoints="1" noAdjustHandles="1" noChangeArrowheads="1" noChangeShapeType="1" noTextEdit="1"/>
+              </p:cNvSpPr>
+              <p:nvPr>
+                <p:ph idx="1"/>
+              </p:nvPr>
+            </p:nvSpPr>
+            <p:spPr>
+              <a:xfrm>
+                <a:off x="457200" y="1600201"/>
+                <a:ext cx="8229600" cy="3484983"/>
+              </a:xfrm>
+              <a:blipFill rotWithShape="1">
+                <a:blip r:embed="rId2"/>
+                <a:stretch>
+                  <a:fillRect l="-1704" r="-1704" b="-5254"/>
+                </a:stretch>
+              </a:blipFill>
+            </p:spPr>
+            <p:txBody>
+              <a:bodyPr/>
+              <a:lstStyle/>
+              <a:p>
+                <a:r>
+                  <a:rPr lang="ru-RU">
+                    <a:noFill/>
+                  </a:rPr>
+                  <a:t> </a:t>
+                </a:r>
+              </a:p>
+            </p:txBody>
+          </p:sp>
+        </mc:Fallback>
+      </mc:AlternateContent>
+    </p:spTree>
+    <p:extLst>
+      <p:ext uri="{BB962C8B-B14F-4D97-AF65-F5344CB8AC3E}">
+        <p14:creationId xmlns:p14="http://schemas.microsoft.com/office/powerpoint/2010/main" val="1705129817"/>
+      </p:ext>
+    </p:extLst>
+  </p:cSld>
+  <p:clrMapOvr>
+    <a:masterClrMapping/>
+  </p:clrMapOvr>
+  <p:timing>
+    <p:tnLst>
+      <p:par>
+        <p:cTn id="1" dur="indefinite" restart="never" nodeType="tmRoot"/>
+      </p:par>
+    </p:tnLst>
+  </p:timing>
+</p:sld>
+</file>
+
+<file path=ppt/slides/slide4.xml><?xml version="1.0" encoding="utf-8"?>
+<p:sld xmlns:a="http://schemas.openxmlformats.org/drawingml/2006/main" xmlns:r="http://schemas.openxmlformats.org/officeDocument/2006/relationships" xmlns:p="http://schemas.openxmlformats.org/presentationml/2006/main">
+  <p:cSld>
+    <p:spTree>
+      <p:nvGrpSpPr>
+        <p:cNvPr id="1" name=""/>
+        <p:cNvGrpSpPr/>
+        <p:nvPr/>
+      </p:nvGrpSpPr>
+      <p:grpSpPr>
+        <a:xfrm>
+          <a:off x="0" y="0"/>
+          <a:ext cx="0" cy="0"/>
+          <a:chOff x="0" y="0"/>
+          <a:chExt cx="0" cy="0"/>
+        </a:xfrm>
+      </p:grpSpPr>
+      <p:sp>
+        <p:nvSpPr>
+          <p:cNvPr id="2" name="Заголовок 1"/>
+          <p:cNvSpPr>
+            <a:spLocks noGrp="1"/>
+          </p:cNvSpPr>
+          <p:nvPr>
+            <p:ph type="title"/>
+          </p:nvPr>
+        </p:nvSpPr>
+        <p:spPr/>
+        <p:txBody>
+          <a:bodyPr/>
+          <a:lstStyle/>
+          <a:p>
             <a:endParaRPr lang="ru-RU"/>
           </a:p>
         </p:txBody>
@@ -3753,7 +4342,7 @@
         </p:blipFill>
         <p:spPr bwMode="auto">
           <a:xfrm>
-            <a:off x="4139952" y="4426203"/>
+            <a:off x="2555776" y="4581128"/>
             <a:ext cx="3810000" cy="1457326"/>
           </a:xfrm>
           <a:prstGeom prst="rect">
@@ -3791,7 +4380,7 @@
 </p:sld>
 </file>
 
-<file path=ppt/slides/slide4.xml><?xml version="1.0" encoding="utf-8"?>
+<file path=ppt/slides/slide5.xml><?xml version="1.0" encoding="utf-8"?>
 <p:sld xmlns:a="http://schemas.openxmlformats.org/drawingml/2006/main" xmlns:r="http://schemas.openxmlformats.org/officeDocument/2006/relationships" xmlns:p="http://schemas.openxmlformats.org/presentationml/2006/main">
   <p:cSld>
     <p:spTree>
@@ -4004,7 +4593,7 @@
         </p:blipFill>
         <p:spPr bwMode="auto">
           <a:xfrm>
-            <a:off x="4572000" y="4093864"/>
+            <a:off x="3620839" y="4811955"/>
             <a:ext cx="1721371" cy="654606"/>
           </a:xfrm>
           <a:prstGeom prst="rect">
@@ -4058,7 +4647,7 @@
         </p:blipFill>
         <p:spPr bwMode="auto">
           <a:xfrm>
-            <a:off x="4572000" y="4844476"/>
+            <a:off x="3637433" y="5622194"/>
             <a:ext cx="1688182" cy="654171"/>
           </a:xfrm>
           <a:prstGeom prst="rect">
@@ -4097,8 +4686,8 @@
         </p:nvSpPr>
         <p:spPr>
           <a:xfrm>
-            <a:off x="460375" y="4037801"/>
-            <a:ext cx="3535561" cy="830997"/>
+            <a:off x="1021557" y="4053030"/>
+            <a:ext cx="6919937" cy="461665"/>
           </a:xfrm>
           <a:prstGeom prst="rect">
             <a:avLst/>
@@ -4156,7 +4745,7 @@
 </p:sld>
 </file>
 
-<file path=ppt/slides/slide5.xml><?xml version="1.0" encoding="utf-8"?>
+<file path=ppt/slides/slide6.xml><?xml version="1.0" encoding="utf-8"?>
 <p:sld xmlns:a="http://schemas.openxmlformats.org/drawingml/2006/main" xmlns:r="http://schemas.openxmlformats.org/officeDocument/2006/relationships" xmlns:p="http://schemas.openxmlformats.org/presentationml/2006/main">
   <p:cSld>
     <p:spTree>
@@ -4270,7 +4859,7 @@
 </p:sld>
 </file>
 
-<file path=ppt/slides/slide6.xml><?xml version="1.0" encoding="utf-8"?>
+<file path=ppt/slides/slide7.xml><?xml version="1.0" encoding="utf-8"?>
 <p:sld xmlns:a="http://schemas.openxmlformats.org/drawingml/2006/main" xmlns:r="http://schemas.openxmlformats.org/officeDocument/2006/relationships" xmlns:p="http://schemas.openxmlformats.org/presentationml/2006/main">
   <p:cSld>
     <p:spTree>
@@ -4511,7 +5100,7 @@
         <p:spPr bwMode="auto">
           <a:xfrm>
             <a:off x="3109062" y="5157192"/>
-            <a:ext cx="2997884" cy="1080120"/>
+            <a:ext cx="3551170" cy="1080120"/>
           </a:xfrm>
           <a:prstGeom prst="rect">
             <a:avLst/>
@@ -4561,7 +5150,7 @@
 </p:sld>
 </file>
 
-<file path=ppt/slides/slide7.xml><?xml version="1.0" encoding="utf-8"?>
+<file path=ppt/slides/slide8.xml><?xml version="1.0" encoding="utf-8"?>
 <p:sld xmlns:a="http://schemas.openxmlformats.org/drawingml/2006/main" xmlns:r="http://schemas.openxmlformats.org/officeDocument/2006/relationships" xmlns:p="http://schemas.openxmlformats.org/presentationml/2006/main">
   <p:cSld>
     <p:spTree>
@@ -4665,7 +5254,7 @@
 </p:sld>
 </file>
 
-<file path=ppt/slides/slide8.xml><?xml version="1.0" encoding="utf-8"?>
+<file path=ppt/slides/slide9.xml><?xml version="1.0" encoding="utf-8"?>
 <p:sld xmlns:a="http://schemas.openxmlformats.org/drawingml/2006/main" xmlns:r="http://schemas.openxmlformats.org/officeDocument/2006/relationships" xmlns:p="http://schemas.openxmlformats.org/presentationml/2006/main">
   <p:cSld>
     <p:spTree>
@@ -4773,7 +5362,7 @@
         </p:nvSpPr>
         <p:spPr>
           <a:xfrm>
-            <a:off x="2771800" y="6237312"/>
+            <a:off x="2630907" y="6237312"/>
             <a:ext cx="3600400" cy="369332"/>
           </a:xfrm>
           <a:prstGeom prst="rect">
@@ -4804,165 +5393,6 @@
     <p:extLst>
       <p:ext uri="{BB962C8B-B14F-4D97-AF65-F5344CB8AC3E}">
         <p14:creationId xmlns:p14="http://schemas.microsoft.com/office/powerpoint/2010/main" val="1451058519"/>
-      </p:ext>
-    </p:extLst>
-  </p:cSld>
-  <p:clrMapOvr>
-    <a:masterClrMapping/>
-  </p:clrMapOvr>
-  <p:timing>
-    <p:tnLst>
-      <p:par>
-        <p:cTn id="1" dur="indefinite" restart="never" nodeType="tmRoot"/>
-      </p:par>
-    </p:tnLst>
-  </p:timing>
-</p:sld>
-</file>
-
-<file path=ppt/slides/slide9.xml><?xml version="1.0" encoding="utf-8"?>
-<p:sld xmlns:a="http://schemas.openxmlformats.org/drawingml/2006/main" xmlns:r="http://schemas.openxmlformats.org/officeDocument/2006/relationships" xmlns:p="http://schemas.openxmlformats.org/presentationml/2006/main">
-  <p:cSld>
-    <p:spTree>
-      <p:nvGrpSpPr>
-        <p:cNvPr id="1" name=""/>
-        <p:cNvGrpSpPr/>
-        <p:nvPr/>
-      </p:nvGrpSpPr>
-      <p:grpSpPr>
-        <a:xfrm>
-          <a:off x="0" y="0"/>
-          <a:ext cx="0" cy="0"/>
-          <a:chOff x="0" y="0"/>
-          <a:chExt cx="0" cy="0"/>
-        </a:xfrm>
-      </p:grpSpPr>
-      <p:sp>
-        <p:nvSpPr>
-          <p:cNvPr id="2" name="Заголовок 1"/>
-          <p:cNvSpPr>
-            <a:spLocks noGrp="1"/>
-          </p:cNvSpPr>
-          <p:nvPr>
-            <p:ph type="title"/>
-          </p:nvPr>
-        </p:nvSpPr>
-        <p:spPr/>
-        <p:txBody>
-          <a:bodyPr/>
-          <a:lstStyle/>
-          <a:p>
-            <a:r>
-              <a:rPr lang="ru-RU" dirty="0" smtClean="0"/>
-              <a:t>Реализации</a:t>
-            </a:r>
-            <a:endParaRPr lang="ru-RU" dirty="0"/>
-          </a:p>
-        </p:txBody>
-      </p:sp>
-      <p:sp>
-        <p:nvSpPr>
-          <p:cNvPr id="3" name="Объект 2"/>
-          <p:cNvSpPr>
-            <a:spLocks noGrp="1"/>
-          </p:cNvSpPr>
-          <p:nvPr>
-            <p:ph idx="1"/>
-          </p:nvPr>
-        </p:nvSpPr>
-        <p:spPr/>
-        <p:txBody>
-          <a:bodyPr/>
-          <a:lstStyle/>
-          <a:p>
-            <a:endParaRPr lang="ru-RU"/>
-          </a:p>
-        </p:txBody>
-      </p:sp>
-      <p:pic>
-        <p:nvPicPr>
-          <p:cNvPr id="5122" name="Picture 2" descr="ÐÐ°ÑÑÐ¸Ð½ÐºÐ¸ Ð¿Ð¾ Ð·Ð°Ð¿ÑÐ¾ÑÑ intel tangle lake"/>
-          <p:cNvPicPr>
-            <a:picLocks noChangeAspect="1" noChangeArrowheads="1"/>
-          </p:cNvPicPr>
-          <p:nvPr/>
-        </p:nvPicPr>
-        <p:blipFill>
-          <a:blip r:embed="rId2">
-            <a:extLst>
-              <a:ext uri="{28A0092B-C50C-407E-A947-70E740481C1C}">
-                <a14:useLocalDpi xmlns:a14="http://schemas.microsoft.com/office/drawing/2010/main" val="0"/>
-              </a:ext>
-            </a:extLst>
-          </a:blip>
-          <a:srcRect/>
-          <a:stretch>
-            <a:fillRect/>
-          </a:stretch>
-        </p:blipFill>
-        <p:spPr bwMode="auto">
-          <a:xfrm>
-            <a:off x="1475656" y="1448790"/>
-            <a:ext cx="6336704" cy="4752528"/>
-          </a:xfrm>
-          <a:prstGeom prst="rect">
-            <a:avLst/>
-          </a:prstGeom>
-          <a:noFill/>
-          <a:extLst>
-            <a:ext uri="{909E8E84-426E-40DD-AFC4-6F175D3DCCD1}">
-              <a14:hiddenFill xmlns:a14="http://schemas.microsoft.com/office/drawing/2010/main">
-                <a:solidFill>
-                  <a:srgbClr val="FFFFFF"/>
-                </a:solidFill>
-              </a14:hiddenFill>
-            </a:ext>
-          </a:extLst>
-        </p:spPr>
-      </p:pic>
-      <p:sp>
-        <p:nvSpPr>
-          <p:cNvPr id="4" name="TextBox 3"/>
-          <p:cNvSpPr txBox="1"/>
-          <p:nvPr/>
-        </p:nvSpPr>
-        <p:spPr>
-          <a:xfrm>
-            <a:off x="3203848" y="6381328"/>
-            <a:ext cx="3168352" cy="369332"/>
-          </a:xfrm>
-          <a:prstGeom prst="rect">
-            <a:avLst/>
-          </a:prstGeom>
-          <a:noFill/>
-        </p:spPr>
-        <p:txBody>
-          <a:bodyPr wrap="square" rtlCol="0">
-            <a:spAutoFit/>
-          </a:bodyPr>
-          <a:lstStyle/>
-          <a:p>
-            <a:pPr algn="ctr"/>
-            <a:r>
-              <a:rPr lang="ru-RU" dirty="0" smtClean="0"/>
-              <a:t> </a:t>
-            </a:r>
-            <a:r>
-              <a:rPr lang="en-US" dirty="0" smtClean="0"/>
-              <a:t>Intel, Tangle Lake 49-</a:t>
-            </a:r>
-            <a:r>
-              <a:rPr lang="ru-RU" dirty="0" err="1" smtClean="0"/>
-              <a:t>кубит</a:t>
-            </a:r>
-            <a:endParaRPr lang="ru-RU" dirty="0"/>
-          </a:p>
-        </p:txBody>
-      </p:sp>
-    </p:spTree>
-    <p:extLst>
-      <p:ext uri="{BB962C8B-B14F-4D97-AF65-F5344CB8AC3E}">
-        <p14:creationId xmlns:p14="http://schemas.microsoft.com/office/powerpoint/2010/main" val="1643283416"/>
       </p:ext>
     </p:extLst>
   </p:cSld>
